--- a/Schematic overview.pptx
+++ b/Schematic overview.pptx
@@ -105,7 +105,135 @@
       </a:defRPr>
     </a:lvl9pPr>
   </p:defaultTextStyle>
+  <p:extLst>
+    <p:ext uri="{EFAFB233-063F-42B5-8137-9DF3F51BA10A}">
+      <p15:sldGuideLst xmlns:p15="http://schemas.microsoft.com/office/powerpoint/2012/main"/>
+    </p:ext>
+  </p:extLst>
 </p:presentation>
+</file>
+
+<file path=ppt/revisionInfo.xml><?xml version="1.0" encoding="utf-8"?>
+<p1510:revInfo xmlns:a="http://schemas.openxmlformats.org/drawingml/2006/main" xmlns:r="http://schemas.openxmlformats.org/officeDocument/2006/relationships" xmlns:p1510="http://schemas.microsoft.com/office/powerpoint/2015/10/main">
+  <p1510:revLst>
+    <p1510:client id="{33D09219-D3F1-4E18-B3B4-82B856D6897B}" v="3" dt="2022-01-26T21:32:48.632"/>
+  </p1510:revLst>
+</p1510:revInfo>
+</file>
+
+<file path=ppt/changesInfos/changesInfo1.xml><?xml version="1.0" encoding="utf-8"?>
+<pc:chgInfo xmlns:a="http://schemas.openxmlformats.org/drawingml/2006/main" xmlns:r="http://schemas.openxmlformats.org/officeDocument/2006/relationships" xmlns:ac="http://schemas.microsoft.com/office/drawing/2013/main/command" xmlns:pc="http://schemas.microsoft.com/office/powerpoint/2013/main/command">
+  <pc:docChgLst>
+    <pc:chgData name="Wilko van de Langenberg" userId="66bda0e3312437e7" providerId="LiveId" clId="{33D09219-D3F1-4E18-B3B4-82B856D6897B}"/>
+    <pc:docChg chg="undo custSel addSld delSld modSld">
+      <pc:chgData name="Wilko van de Langenberg" userId="66bda0e3312437e7" providerId="LiveId" clId="{33D09219-D3F1-4E18-B3B4-82B856D6897B}" dt="2022-01-26T21:32:48.632" v="58"/>
+      <pc:docMkLst>
+        <pc:docMk/>
+      </pc:docMkLst>
+      <pc:sldChg chg="addSp delSp modSp mod">
+        <pc:chgData name="Wilko van de Langenberg" userId="66bda0e3312437e7" providerId="LiveId" clId="{33D09219-D3F1-4E18-B3B4-82B856D6897B}" dt="2022-01-26T21:32:30.918" v="53" actId="255"/>
+        <pc:sldMkLst>
+          <pc:docMk/>
+          <pc:sldMk cId="3214443608" sldId="256"/>
+        </pc:sldMkLst>
+        <pc:spChg chg="add mod">
+          <ac:chgData name="Wilko van de Langenberg" userId="66bda0e3312437e7" providerId="LiveId" clId="{33D09219-D3F1-4E18-B3B4-82B856D6897B}" dt="2022-01-26T21:31:59.370" v="20" actId="1036"/>
+          <ac:spMkLst>
+            <pc:docMk/>
+            <pc:sldMk cId="3214443608" sldId="256"/>
+            <ac:spMk id="2" creationId="{4E155056-9EF5-4DF7-8C1E-40C96826634D}"/>
+          </ac:spMkLst>
+        </pc:spChg>
+        <pc:spChg chg="mod">
+          <ac:chgData name="Wilko van de Langenberg" userId="66bda0e3312437e7" providerId="LiveId" clId="{33D09219-D3F1-4E18-B3B4-82B856D6897B}" dt="2022-01-26T21:31:54.512" v="18" actId="1076"/>
+          <ac:spMkLst>
+            <pc:docMk/>
+            <pc:sldMk cId="3214443608" sldId="256"/>
+            <ac:spMk id="6" creationId="{158A09E9-76F5-4C56-B183-F5AAC3B815BB}"/>
+          </ac:spMkLst>
+        </pc:spChg>
+        <pc:spChg chg="mod">
+          <ac:chgData name="Wilko van de Langenberg" userId="66bda0e3312437e7" providerId="LiveId" clId="{33D09219-D3F1-4E18-B3B4-82B856D6897B}" dt="2022-01-26T21:31:09.268" v="3" actId="1076"/>
+          <ac:spMkLst>
+            <pc:docMk/>
+            <pc:sldMk cId="3214443608" sldId="256"/>
+            <ac:spMk id="11" creationId="{6330A5CE-63F0-49AF-8939-7BB5E3525C1E}"/>
+          </ac:spMkLst>
+        </pc:spChg>
+        <pc:spChg chg="add mod">
+          <ac:chgData name="Wilko van de Langenberg" userId="66bda0e3312437e7" providerId="LiveId" clId="{33D09219-D3F1-4E18-B3B4-82B856D6897B}" dt="2022-01-26T21:32:30.918" v="53" actId="255"/>
+          <ac:spMkLst>
+            <pc:docMk/>
+            <pc:sldMk cId="3214443608" sldId="256"/>
+            <ac:spMk id="16" creationId="{B82485F3-9BCA-4BB6-895D-69AE1221BBEF}"/>
+          </ac:spMkLst>
+        </pc:spChg>
+        <pc:cxnChg chg="add del mod">
+          <ac:chgData name="Wilko van de Langenberg" userId="66bda0e3312437e7" providerId="LiveId" clId="{33D09219-D3F1-4E18-B3B4-82B856D6897B}" dt="2022-01-26T21:31:43.507" v="15" actId="478"/>
+          <ac:cxnSpMkLst>
+            <pc:docMk/>
+            <pc:sldMk cId="3214443608" sldId="256"/>
+            <ac:cxnSpMk id="4" creationId="{6C686B99-25DA-4A49-AF02-0F02480682BE}"/>
+          </ac:cxnSpMkLst>
+        </pc:cxnChg>
+        <pc:cxnChg chg="add mod">
+          <ac:chgData name="Wilko van de Langenberg" userId="66bda0e3312437e7" providerId="LiveId" clId="{33D09219-D3F1-4E18-B3B4-82B856D6897B}" dt="2022-01-26T21:32:01.012" v="21" actId="1036"/>
+          <ac:cxnSpMkLst>
+            <pc:docMk/>
+            <pc:sldMk cId="3214443608" sldId="256"/>
+            <ac:cxnSpMk id="14" creationId="{628AC981-54C3-4D4B-8F66-A46249E084EF}"/>
+          </ac:cxnSpMkLst>
+        </pc:cxnChg>
+        <pc:cxnChg chg="add mod">
+          <ac:chgData name="Wilko van de Langenberg" userId="66bda0e3312437e7" providerId="LiveId" clId="{33D09219-D3F1-4E18-B3B4-82B856D6897B}" dt="2022-01-26T21:31:47.104" v="16" actId="1076"/>
+          <ac:cxnSpMkLst>
+            <pc:docMk/>
+            <pc:sldMk cId="3214443608" sldId="256"/>
+            <ac:cxnSpMk id="15" creationId="{73A246D6-C627-4543-8D22-35FB05CF2882}"/>
+          </ac:cxnSpMkLst>
+        </pc:cxnChg>
+      </pc:sldChg>
+      <pc:sldChg chg="addSp delSp new mod">
+        <pc:chgData name="Wilko van de Langenberg" userId="66bda0e3312437e7" providerId="LiveId" clId="{33D09219-D3F1-4E18-B3B4-82B856D6897B}" dt="2022-01-26T21:32:48.632" v="58"/>
+        <pc:sldMkLst>
+          <pc:docMk/>
+          <pc:sldMk cId="3096180793" sldId="257"/>
+        </pc:sldMkLst>
+        <pc:spChg chg="del">
+          <ac:chgData name="Wilko van de Langenberg" userId="66bda0e3312437e7" providerId="LiveId" clId="{33D09219-D3F1-4E18-B3B4-82B856D6897B}" dt="2022-01-26T21:32:44.481" v="56" actId="478"/>
+          <ac:spMkLst>
+            <pc:docMk/>
+            <pc:sldMk cId="3096180793" sldId="257"/>
+            <ac:spMk id="2" creationId="{7BD5FB94-4096-467A-88E1-9641A1312D01}"/>
+          </ac:spMkLst>
+        </pc:spChg>
+        <pc:spChg chg="del">
+          <ac:chgData name="Wilko van de Langenberg" userId="66bda0e3312437e7" providerId="LiveId" clId="{33D09219-D3F1-4E18-B3B4-82B856D6897B}" dt="2022-01-26T21:32:45.942" v="57" actId="478"/>
+          <ac:spMkLst>
+            <pc:docMk/>
+            <pc:sldMk cId="3096180793" sldId="257"/>
+            <ac:spMk id="3" creationId="{C2CB3C76-C3EC-4A14-BB2D-5116EA5AE0CC}"/>
+          </ac:spMkLst>
+        </pc:spChg>
+        <pc:picChg chg="add">
+          <ac:chgData name="Wilko van de Langenberg" userId="66bda0e3312437e7" providerId="LiveId" clId="{33D09219-D3F1-4E18-B3B4-82B856D6897B}" dt="2022-01-26T21:32:48.632" v="58"/>
+          <ac:picMkLst>
+            <pc:docMk/>
+            <pc:sldMk cId="3096180793" sldId="257"/>
+            <ac:picMk id="4" creationId="{70CF2CCC-86A1-4706-9026-528CA6E15770}"/>
+          </ac:picMkLst>
+        </pc:picChg>
+      </pc:sldChg>
+      <pc:sldChg chg="del">
+        <pc:chgData name="Wilko van de Langenberg" userId="66bda0e3312437e7" providerId="LiveId" clId="{33D09219-D3F1-4E18-B3B4-82B856D6897B}" dt="2022-01-26T21:32:39.562" v="54" actId="47"/>
+        <pc:sldMkLst>
+          <pc:docMk/>
+          <pc:sldMk cId="3955105654" sldId="257"/>
+        </pc:sldMkLst>
+      </pc:sldChg>
+    </pc:docChg>
+  </pc:docChgLst>
+</pc:chgInfo>
 </file>
 
 <file path=ppt/slideLayouts/slideLayout1.xml><?xml version="1.0" encoding="utf-8"?>
@@ -3656,7 +3784,7 @@
         </p:nvSpPr>
         <p:spPr>
           <a:xfrm>
-            <a:off x="7953375" y="2419350"/>
+            <a:off x="9060783" y="2492178"/>
             <a:ext cx="895350" cy="369332"/>
           </a:xfrm>
           <a:prstGeom prst="rect">
@@ -3711,6 +3839,166 @@
               <a:t>NodeMCU  pin D4</a:t>
             </a:r>
             <a:endParaRPr lang="en-GB" dirty="0"/>
+          </a:p>
+        </p:txBody>
+      </p:sp>
+      <p:sp>
+        <p:nvSpPr>
+          <p:cNvPr id="2" name="Rectangle 1">
+            <a:extLst>
+              <a:ext uri="{FF2B5EF4-FFF2-40B4-BE49-F238E27FC236}">
+                <a16:creationId xmlns:a16="http://schemas.microsoft.com/office/drawing/2014/main" id="{4E155056-9EF5-4DF7-8C1E-40C96826634D}"/>
+              </a:ext>
+            </a:extLst>
+          </p:cNvPr>
+          <p:cNvSpPr/>
+          <p:nvPr/>
+        </p:nvSpPr>
+        <p:spPr>
+          <a:xfrm>
+            <a:off x="8161420" y="2665997"/>
+            <a:ext cx="421106" cy="136358"/>
+          </a:xfrm>
+          <a:prstGeom prst="rect">
+            <a:avLst/>
+          </a:prstGeom>
+        </p:spPr>
+        <p:style>
+          <a:lnRef idx="2">
+            <a:schemeClr val="accent1">
+              <a:shade val="50000"/>
+            </a:schemeClr>
+          </a:lnRef>
+          <a:fillRef idx="1">
+            <a:schemeClr val="accent1"/>
+          </a:fillRef>
+          <a:effectRef idx="0">
+            <a:schemeClr val="accent1"/>
+          </a:effectRef>
+          <a:fontRef idx="minor">
+            <a:schemeClr val="lt1"/>
+          </a:fontRef>
+        </p:style>
+        <p:txBody>
+          <a:bodyPr rtlCol="0" anchor="ctr"/>
+          <a:lstStyle/>
+          <a:p>
+            <a:pPr algn="ctr"/>
+            <a:endParaRPr lang="en-GB"/>
+          </a:p>
+        </p:txBody>
+      </p:sp>
+      <p:cxnSp>
+        <p:nvCxnSpPr>
+          <p:cNvPr id="14" name="Straight Connector 13">
+            <a:extLst>
+              <a:ext uri="{FF2B5EF4-FFF2-40B4-BE49-F238E27FC236}">
+                <a16:creationId xmlns:a16="http://schemas.microsoft.com/office/drawing/2014/main" id="{628AC981-54C3-4D4B-8F66-A46249E084EF}"/>
+              </a:ext>
+            </a:extLst>
+          </p:cNvPr>
+          <p:cNvCxnSpPr>
+            <a:cxnSpLocks/>
+          </p:cNvCxnSpPr>
+          <p:nvPr/>
+        </p:nvCxnSpPr>
+        <p:spPr>
+          <a:xfrm>
+            <a:off x="8552446" y="2724651"/>
+            <a:ext cx="478257" cy="0"/>
+          </a:xfrm>
+          <a:prstGeom prst="line">
+            <a:avLst/>
+          </a:prstGeom>
+          <a:ln w="25400"/>
+        </p:spPr>
+        <p:style>
+          <a:lnRef idx="1">
+            <a:schemeClr val="accent1"/>
+          </a:lnRef>
+          <a:fillRef idx="0">
+            <a:schemeClr val="accent1"/>
+          </a:fillRef>
+          <a:effectRef idx="0">
+            <a:schemeClr val="accent1"/>
+          </a:effectRef>
+          <a:fontRef idx="minor">
+            <a:schemeClr val="tx1"/>
+          </a:fontRef>
+        </p:style>
+      </p:cxnSp>
+      <p:cxnSp>
+        <p:nvCxnSpPr>
+          <p:cNvPr id="15" name="Straight Connector 14">
+            <a:extLst>
+              <a:ext uri="{FF2B5EF4-FFF2-40B4-BE49-F238E27FC236}">
+                <a16:creationId xmlns:a16="http://schemas.microsoft.com/office/drawing/2014/main" id="{73A246D6-C627-4543-8D22-35FB05CF2882}"/>
+              </a:ext>
+            </a:extLst>
+          </p:cNvPr>
+          <p:cNvCxnSpPr>
+            <a:cxnSpLocks/>
+          </p:cNvCxnSpPr>
+          <p:nvPr/>
+        </p:nvCxnSpPr>
+        <p:spPr>
+          <a:xfrm>
+            <a:off x="7884191" y="2736181"/>
+            <a:ext cx="478257" cy="0"/>
+          </a:xfrm>
+          <a:prstGeom prst="line">
+            <a:avLst/>
+          </a:prstGeom>
+          <a:ln w="25400"/>
+        </p:spPr>
+        <p:style>
+          <a:lnRef idx="1">
+            <a:schemeClr val="accent1"/>
+          </a:lnRef>
+          <a:fillRef idx="0">
+            <a:schemeClr val="accent1"/>
+          </a:fillRef>
+          <a:effectRef idx="0">
+            <a:schemeClr val="accent1"/>
+          </a:effectRef>
+          <a:fontRef idx="minor">
+            <a:schemeClr val="tx1"/>
+          </a:fontRef>
+        </p:style>
+      </p:cxnSp>
+      <p:sp>
+        <p:nvSpPr>
+          <p:cNvPr id="16" name="TextBox 15">
+            <a:extLst>
+              <a:ext uri="{FF2B5EF4-FFF2-40B4-BE49-F238E27FC236}">
+                <a16:creationId xmlns:a16="http://schemas.microsoft.com/office/drawing/2014/main" id="{B82485F3-9BCA-4BB6-895D-69AE1221BBEF}"/>
+              </a:ext>
+            </a:extLst>
+          </p:cNvPr>
+          <p:cNvSpPr txBox="1"/>
+          <p:nvPr/>
+        </p:nvSpPr>
+        <p:spPr>
+          <a:xfrm>
+            <a:off x="8078454" y="2779432"/>
+            <a:ext cx="895350" cy="954107"/>
+          </a:xfrm>
+          <a:prstGeom prst="rect">
+            <a:avLst/>
+          </a:prstGeom>
+          <a:noFill/>
+        </p:spPr>
+        <p:txBody>
+          <a:bodyPr wrap="square" rtlCol="0">
+            <a:spAutoFit/>
+          </a:bodyPr>
+          <a:lstStyle/>
+          <a:p>
+            <a:r>
+              <a:rPr lang="en-US" sz="1400" dirty="0"/>
+              <a:t>Calc R based on the #LEDS</a:t>
+            </a:r>
+            <a:endParaRPr lang="en-GB" sz="1400" dirty="0"/>
           </a:p>
         </p:txBody>
       </p:sp>
@@ -3746,10 +4034,10 @@
       </p:grpSpPr>
       <p:pic>
         <p:nvPicPr>
-          <p:cNvPr id="5" name="Picture 4">
-            <a:extLst>
-              <a:ext uri="{FF2B5EF4-FFF2-40B4-BE49-F238E27FC236}">
-                <a16:creationId xmlns:a16="http://schemas.microsoft.com/office/drawing/2014/main" id="{DDB1FD5B-6959-48ED-ADFA-D50665F50629}"/>
+          <p:cNvPr id="4" name="Picture 3">
+            <a:extLst>
+              <a:ext uri="{FF2B5EF4-FFF2-40B4-BE49-F238E27FC236}">
+                <a16:creationId xmlns:a16="http://schemas.microsoft.com/office/drawing/2014/main" id="{70CF2CCC-86A1-4706-9026-528CA6E15770}"/>
               </a:ext>
             </a:extLst>
           </p:cNvPr>
@@ -3766,8 +4054,8 @@
         </p:blipFill>
         <p:spPr>
           <a:xfrm>
-            <a:off x="2221656" y="581921"/>
-            <a:ext cx="7748688" cy="5694158"/>
+            <a:off x="2011326" y="581921"/>
+            <a:ext cx="8169348" cy="5694158"/>
           </a:xfrm>
           <a:prstGeom prst="rect">
             <a:avLst/>
@@ -3777,7 +4065,7 @@
     </p:spTree>
     <p:extLst>
       <p:ext uri="{BB962C8B-B14F-4D97-AF65-F5344CB8AC3E}">
-        <p14:creationId xmlns:p14="http://schemas.microsoft.com/office/powerpoint/2010/main" val="3955105654"/>
+        <p14:creationId xmlns:p14="http://schemas.microsoft.com/office/powerpoint/2010/main" val="3096180793"/>
       </p:ext>
     </p:extLst>
   </p:cSld>
